--- a/Presentation.pptx
+++ b/Presentation.pptx
@@ -7,10 +7,16 @@
   <p:sldIdLst>
     <p:sldId id="256" r:id="rId2"/>
     <p:sldId id="257" r:id="rId3"/>
-    <p:sldId id="258" r:id="rId4"/>
-    <p:sldId id="259" r:id="rId5"/>
-    <p:sldId id="261" r:id="rId6"/>
-    <p:sldId id="260" r:id="rId7"/>
+    <p:sldId id="260" r:id="rId4"/>
+    <p:sldId id="258" r:id="rId5"/>
+    <p:sldId id="259" r:id="rId6"/>
+    <p:sldId id="262" r:id="rId7"/>
+    <p:sldId id="261" r:id="rId8"/>
+    <p:sldId id="263" r:id="rId9"/>
+    <p:sldId id="267" r:id="rId10"/>
+    <p:sldId id="264" r:id="rId11"/>
+    <p:sldId id="265" r:id="rId12"/>
+    <p:sldId id="266" r:id="rId13"/>
   </p:sldIdLst>
   <p:sldSz cx="12192000" cy="6858000"/>
   <p:notesSz cx="6858000" cy="9144000"/>
@@ -109,6 +115,11 @@
       </a:defRPr>
     </a:lvl9pPr>
   </p:defaultTextStyle>
+  <p:extLst>
+    <p:ext uri="{EFAFB233-063F-42B5-8137-9DF3F51BA10A}">
+      <p15:sldGuideLst xmlns:p15="http://schemas.microsoft.com/office/powerpoint/2012/main"/>
+    </p:ext>
+  </p:extLst>
 </p:presentation>
 </file>
 
@@ -6108,13 +6119,6 @@
               </a:rPr>
               <a:t>Мирослав, Иван, Димитър и Бетина</a:t>
             </a:r>
-            <a:endParaRPr lang="bg-BG" sz="2800" dirty="0" smtClean="0">
-              <a:solidFill>
-                <a:schemeClr val="accent1">
-                  <a:lumMod val="75000"/>
-                </a:schemeClr>
-              </a:solidFill>
-            </a:endParaRPr>
           </a:p>
         </p:txBody>
       </p:sp>
@@ -6177,7 +6181,7 @@
 </p:sld>
 </file>
 
-<file path=ppt/slides/slide2.xml><?xml version="1.0" encoding="utf-8"?>
+<file path=ppt/slides/slide10.xml><?xml version="1.0" encoding="utf-8"?>
 <p:sld xmlns:a="http://schemas.openxmlformats.org/drawingml/2006/main" xmlns:r="http://schemas.openxmlformats.org/officeDocument/2006/relationships" xmlns:p="http://schemas.openxmlformats.org/presentationml/2006/main">
   <p:cSld>
     <p:spTree>
@@ -6204,28 +6208,51 @@
             <p:ph type="title"/>
           </p:nvPr>
         </p:nvSpPr>
-        <p:spPr/>
-        <p:txBody>
-          <a:bodyPr/>
+        <p:spPr>
+          <a:xfrm>
+            <a:off x="865534" y="3332564"/>
+            <a:ext cx="8057363" cy="1018903"/>
+          </a:xfrm>
+        </p:spPr>
+        <p:txBody>
+          <a:bodyPr>
+            <a:noAutofit/>
+          </a:bodyPr>
           <a:lstStyle/>
           <a:p>
-            <a:r>
-              <a:rPr lang="bg-BG" dirty="0" smtClean="0"/>
-              <a:t>Проблема който който се опитваме да решим</a:t>
-            </a:r>
-            <a:endParaRPr lang="bg-BG" dirty="0"/>
+            <a:pPr algn="ctr"/>
+            <a:r>
+              <a:rPr lang="bg-BG" sz="4800" dirty="0" smtClean="0">
+                <a:solidFill>
+                  <a:srgbClr val="B34C51"/>
+                </a:solidFill>
+              </a:rPr>
+              <a:t>за вниманието </a:t>
+            </a:r>
+            <a:r>
+              <a:rPr lang="bg-BG" sz="4800" dirty="0" smtClean="0">
+                <a:solidFill>
+                  <a:srgbClr val="B34C51"/>
+                </a:solidFill>
+                <a:sym typeface="Wingdings" panose="05000000000000000000" pitchFamily="2" charset="2"/>
+              </a:rPr>
+              <a:t></a:t>
+            </a:r>
+            <a:endParaRPr lang="bg-BG" sz="4800" dirty="0">
+              <a:solidFill>
+                <a:srgbClr val="B34C51"/>
+              </a:solidFill>
+            </a:endParaRPr>
           </a:p>
         </p:txBody>
       </p:sp>
       <p:pic>
         <p:nvPicPr>
-          <p:cNvPr id="1026" name="Picture 2" descr="https://www.ecopack.bg/web/files/richeditor/for-municipalities/glass%20sorting%20S.jpg"/>
+          <p:cNvPr id="6146" name="Picture 2" descr="Благодарим Ви за заявката | Курсове по английски, немски, италиански,  испански, френски и руски език | Language Academy Evrista"/>
           <p:cNvPicPr>
-            <a:picLocks noGrp="1" noChangeAspect="1" noChangeArrowheads="1"/>
+            <a:picLocks noChangeAspect="1" noChangeArrowheads="1"/>
           </p:cNvPicPr>
-          <p:nvPr>
-            <p:ph idx="1"/>
-          </p:nvPr>
+          <p:nvPr/>
         </p:nvPicPr>
         <p:blipFill>
           <a:blip r:embed="rId2">
@@ -6242,8 +6269,8 @@
         </p:blipFill>
         <p:spPr bwMode="auto">
           <a:xfrm>
-            <a:off x="879567" y="2183137"/>
-            <a:ext cx="4724341" cy="3149561"/>
+            <a:off x="1313036" y="462287"/>
+            <a:ext cx="6533842" cy="3009363"/>
           </a:xfrm>
           <a:prstGeom prst="rect">
             <a:avLst/>
@@ -6262,7 +6289,7 @@
       </p:pic>
       <p:pic>
         <p:nvPicPr>
-          <p:cNvPr id="1028" name="Picture 4" descr="Инсталации за сортиране на отпадъци"/>
+          <p:cNvPr id="6148" name="Picture 4" descr="WALL-E sketch by cri86 on DeviantArt"/>
           <p:cNvPicPr>
             <a:picLocks noChangeAspect="1" noChangeArrowheads="1"/>
           </p:cNvPicPr>
@@ -6283,8 +6310,620 @@
         </p:blipFill>
         <p:spPr bwMode="auto">
           <a:xfrm>
-            <a:off x="5826034" y="2264792"/>
-            <a:ext cx="5265328" cy="2790624"/>
+            <a:off x="3518262" y="4212380"/>
+            <a:ext cx="2751909" cy="2375699"/>
+          </a:xfrm>
+          <a:prstGeom prst="rect">
+            <a:avLst/>
+          </a:prstGeom>
+          <a:noFill/>
+          <a:extLst>
+            <a:ext uri="{909E8E84-426E-40DD-AFC4-6F175D3DCCD1}">
+              <a14:hiddenFill xmlns:a14="http://schemas.microsoft.com/office/drawing/2010/main">
+                <a:solidFill>
+                  <a:srgbClr val="FFFFFF"/>
+                </a:solidFill>
+              </a14:hiddenFill>
+            </a:ext>
+          </a:extLst>
+        </p:spPr>
+      </p:pic>
+      <p:pic>
+        <p:nvPicPr>
+          <p:cNvPr id="9" name="Picture 18" descr="Wall-E logo vector free download - Brandslogo.net"/>
+          <p:cNvPicPr>
+            <a:picLocks noChangeAspect="1" noChangeArrowheads="1"/>
+          </p:cNvPicPr>
+          <p:nvPr/>
+        </p:nvPicPr>
+        <p:blipFill rotWithShape="1">
+          <a:blip r:embed="rId4">
+            <a:extLst>
+              <a:ext uri="{28A0092B-C50C-407E-A947-70E740481C1C}">
+                <a14:useLocalDpi xmlns:a14="http://schemas.microsoft.com/office/drawing/2010/main" val="0"/>
+              </a:ext>
+            </a:extLst>
+          </a:blip>
+          <a:srcRect l="4009" t="44388" r="1820" b="35548"/>
+          <a:stretch/>
+        </p:blipFill>
+        <p:spPr bwMode="auto">
+          <a:xfrm>
+            <a:off x="9919064" y="6398014"/>
+            <a:ext cx="2159097" cy="459986"/>
+          </a:xfrm>
+          <a:prstGeom prst="rect">
+            <a:avLst/>
+          </a:prstGeom>
+          <a:noFill/>
+          <a:extLst>
+            <a:ext uri="{909E8E84-426E-40DD-AFC4-6F175D3DCCD1}">
+              <a14:hiddenFill xmlns:a14="http://schemas.microsoft.com/office/drawing/2010/main">
+                <a:solidFill>
+                  <a:srgbClr val="FFFFFF"/>
+                </a:solidFill>
+              </a14:hiddenFill>
+            </a:ext>
+          </a:extLst>
+        </p:spPr>
+      </p:pic>
+    </p:spTree>
+    <p:extLst>
+      <p:ext uri="{BB962C8B-B14F-4D97-AF65-F5344CB8AC3E}">
+        <p14:creationId xmlns:p14="http://schemas.microsoft.com/office/powerpoint/2010/main" val="2565978643"/>
+      </p:ext>
+    </p:extLst>
+  </p:cSld>
+  <p:clrMapOvr>
+    <a:masterClrMapping/>
+  </p:clrMapOvr>
+</p:sld>
+</file>
+
+<file path=ppt/slides/slide11.xml><?xml version="1.0" encoding="utf-8"?>
+<p:sld xmlns:a="http://schemas.openxmlformats.org/drawingml/2006/main" xmlns:r="http://schemas.openxmlformats.org/officeDocument/2006/relationships" xmlns:p="http://schemas.openxmlformats.org/presentationml/2006/main">
+  <p:cSld>
+    <p:spTree>
+      <p:nvGrpSpPr>
+        <p:cNvPr id="1" name=""/>
+        <p:cNvGrpSpPr/>
+        <p:nvPr/>
+      </p:nvGrpSpPr>
+      <p:grpSpPr>
+        <a:xfrm>
+          <a:off x="0" y="0"/>
+          <a:ext cx="0" cy="0"/>
+          <a:chOff x="0" y="0"/>
+          <a:chExt cx="0" cy="0"/>
+        </a:xfrm>
+      </p:grpSpPr>
+      <p:sp>
+        <p:nvSpPr>
+          <p:cNvPr id="2" name="Title 1"/>
+          <p:cNvSpPr>
+            <a:spLocks noGrp="1"/>
+          </p:cNvSpPr>
+          <p:nvPr>
+            <p:ph type="title"/>
+          </p:nvPr>
+        </p:nvSpPr>
+        <p:spPr>
+          <a:xfrm>
+            <a:off x="1739779" y="731608"/>
+            <a:ext cx="4051421" cy="1312680"/>
+          </a:xfrm>
+        </p:spPr>
+        <p:txBody>
+          <a:bodyPr>
+            <a:noAutofit/>
+          </a:bodyPr>
+          <a:lstStyle/>
+          <a:p>
+            <a:pPr algn="ctr"/>
+            <a:r>
+              <a:rPr lang="bg-BG" sz="7200" dirty="0" smtClean="0"/>
+              <a:t>Въпроси</a:t>
+            </a:r>
+            <a:endParaRPr lang="bg-BG" sz="5400" dirty="0"/>
+          </a:p>
+        </p:txBody>
+      </p:sp>
+      <p:pic>
+        <p:nvPicPr>
+          <p:cNvPr id="2050" name="Picture 2" descr="questions.png — 501 Commons"/>
+          <p:cNvPicPr>
+            <a:picLocks noGrp="1" noChangeAspect="1" noChangeArrowheads="1"/>
+          </p:cNvPicPr>
+          <p:nvPr>
+            <p:ph idx="1"/>
+          </p:nvPr>
+        </p:nvPicPr>
+        <p:blipFill>
+          <a:blip r:embed="rId2">
+            <a:extLst>
+              <a:ext uri="{28A0092B-C50C-407E-A947-70E740481C1C}">
+                <a14:useLocalDpi xmlns:a14="http://schemas.microsoft.com/office/drawing/2010/main" val="0"/>
+              </a:ext>
+            </a:extLst>
+          </a:blip>
+          <a:srcRect/>
+          <a:stretch>
+            <a:fillRect/>
+          </a:stretch>
+        </p:blipFill>
+        <p:spPr bwMode="auto">
+          <a:xfrm>
+            <a:off x="1208399" y="1916677"/>
+            <a:ext cx="6777364" cy="4486615"/>
+          </a:xfrm>
+          <a:prstGeom prst="rect">
+            <a:avLst/>
+          </a:prstGeom>
+          <a:noFill/>
+          <a:extLst>
+            <a:ext uri="{909E8E84-426E-40DD-AFC4-6F175D3DCCD1}">
+              <a14:hiddenFill xmlns:a14="http://schemas.microsoft.com/office/drawing/2010/main">
+                <a:solidFill>
+                  <a:srgbClr val="FFFFFF"/>
+                </a:solidFill>
+              </a14:hiddenFill>
+            </a:ext>
+          </a:extLst>
+        </p:spPr>
+      </p:pic>
+      <p:pic>
+        <p:nvPicPr>
+          <p:cNvPr id="6" name="Picture 18" descr="Wall-E logo vector free download - Brandslogo.net"/>
+          <p:cNvPicPr>
+            <a:picLocks noChangeAspect="1" noChangeArrowheads="1"/>
+          </p:cNvPicPr>
+          <p:nvPr/>
+        </p:nvPicPr>
+        <p:blipFill rotWithShape="1">
+          <a:blip r:embed="rId3">
+            <a:extLst>
+              <a:ext uri="{28A0092B-C50C-407E-A947-70E740481C1C}">
+                <a14:useLocalDpi xmlns:a14="http://schemas.microsoft.com/office/drawing/2010/main" val="0"/>
+              </a:ext>
+            </a:extLst>
+          </a:blip>
+          <a:srcRect l="4009" t="44388" r="1820" b="35548"/>
+          <a:stretch/>
+        </p:blipFill>
+        <p:spPr bwMode="auto">
+          <a:xfrm>
+            <a:off x="9919064" y="6398014"/>
+            <a:ext cx="2159097" cy="459986"/>
+          </a:xfrm>
+          <a:prstGeom prst="rect">
+            <a:avLst/>
+          </a:prstGeom>
+          <a:noFill/>
+          <a:extLst>
+            <a:ext uri="{909E8E84-426E-40DD-AFC4-6F175D3DCCD1}">
+              <a14:hiddenFill xmlns:a14="http://schemas.microsoft.com/office/drawing/2010/main">
+                <a:solidFill>
+                  <a:srgbClr val="FFFFFF"/>
+                </a:solidFill>
+              </a14:hiddenFill>
+            </a:ext>
+          </a:extLst>
+        </p:spPr>
+      </p:pic>
+    </p:spTree>
+    <p:extLst>
+      <p:ext uri="{BB962C8B-B14F-4D97-AF65-F5344CB8AC3E}">
+        <p14:creationId xmlns:p14="http://schemas.microsoft.com/office/powerpoint/2010/main" val="3049005676"/>
+      </p:ext>
+    </p:extLst>
+  </p:cSld>
+  <p:clrMapOvr>
+    <a:masterClrMapping/>
+  </p:clrMapOvr>
+</p:sld>
+</file>
+
+<file path=ppt/slides/slide12.xml><?xml version="1.0" encoding="utf-8"?>
+<p:sld xmlns:a="http://schemas.openxmlformats.org/drawingml/2006/main" xmlns:r="http://schemas.openxmlformats.org/officeDocument/2006/relationships" xmlns:p="http://schemas.openxmlformats.org/presentationml/2006/main">
+  <p:cSld>
+    <p:spTree>
+      <p:nvGrpSpPr>
+        <p:cNvPr id="1" name=""/>
+        <p:cNvGrpSpPr/>
+        <p:nvPr/>
+      </p:nvGrpSpPr>
+      <p:grpSpPr>
+        <a:xfrm>
+          <a:off x="0" y="0"/>
+          <a:ext cx="0" cy="0"/>
+          <a:chOff x="0" y="0"/>
+          <a:chExt cx="0" cy="0"/>
+        </a:xfrm>
+      </p:grpSpPr>
+      <p:pic>
+        <p:nvPicPr>
+          <p:cNvPr id="4" name="Picture 3"/>
+          <p:cNvPicPr>
+            <a:picLocks noChangeAspect="1"/>
+          </p:cNvPicPr>
+          <p:nvPr/>
+        </p:nvPicPr>
+        <p:blipFill>
+          <a:blip r:embed="rId2"/>
+          <a:stretch>
+            <a:fillRect/>
+          </a:stretch>
+        </p:blipFill>
+        <p:spPr>
+          <a:xfrm>
+            <a:off x="743395" y="264341"/>
+            <a:ext cx="4876800" cy="4743450"/>
+          </a:xfrm>
+          <a:prstGeom prst="rect">
+            <a:avLst/>
+          </a:prstGeom>
+        </p:spPr>
+      </p:pic>
+      <p:pic>
+        <p:nvPicPr>
+          <p:cNvPr id="5" name="Picture 4" descr="NJDEP - News Release 17/113 - Christie Administration Awards $14.3 Million  in Grants to Enhance Local Recycling Efforts"/>
+          <p:cNvPicPr/>
+          <p:nvPr/>
+        </p:nvPicPr>
+        <p:blipFill rotWithShape="1">
+          <a:blip r:embed="rId3">
+            <a:extLst>
+              <a:ext uri="{28A0092B-C50C-407E-A947-70E740481C1C}">
+                <a14:useLocalDpi xmlns:a14="http://schemas.microsoft.com/office/drawing/2010/main" val="0"/>
+              </a:ext>
+            </a:extLst>
+          </a:blip>
+          <a:srcRect t="5233"/>
+          <a:stretch/>
+        </p:blipFill>
+        <p:spPr bwMode="auto">
+          <a:xfrm>
+            <a:off x="7241854" y="264341"/>
+            <a:ext cx="1853565" cy="1404620"/>
+          </a:xfrm>
+          <a:prstGeom prst="rect">
+            <a:avLst/>
+          </a:prstGeom>
+          <a:noFill/>
+          <a:ln>
+            <a:noFill/>
+          </a:ln>
+          <a:extLst>
+            <a:ext uri="{53640926-AAD7-44D8-BBD7-CCE9431645EC}">
+              <a14:shadowObscured xmlns:a14="http://schemas.microsoft.com/office/drawing/2010/main"/>
+            </a:ext>
+          </a:extLst>
+        </p:spPr>
+      </p:pic>
+      <p:pic>
+        <p:nvPicPr>
+          <p:cNvPr id="6" name="Picture 2" descr="Полезни правила за разделно събиране - Екопак"/>
+          <p:cNvPicPr>
+            <a:picLocks noChangeAspect="1" noChangeArrowheads="1"/>
+          </p:cNvPicPr>
+          <p:nvPr/>
+        </p:nvPicPr>
+        <p:blipFill>
+          <a:blip r:embed="rId4">
+            <a:extLst>
+              <a:ext uri="{28A0092B-C50C-407E-A947-70E740481C1C}">
+                <a14:useLocalDpi xmlns:a14="http://schemas.microsoft.com/office/drawing/2010/main" val="0"/>
+              </a:ext>
+            </a:extLst>
+          </a:blip>
+          <a:srcRect/>
+          <a:stretch>
+            <a:fillRect/>
+          </a:stretch>
+        </p:blipFill>
+        <p:spPr bwMode="auto">
+          <a:xfrm>
+            <a:off x="1127459" y="4187461"/>
+            <a:ext cx="931468" cy="1171847"/>
+          </a:xfrm>
+          <a:prstGeom prst="rect">
+            <a:avLst/>
+          </a:prstGeom>
+          <a:noFill/>
+          <a:extLst>
+            <a:ext uri="{909E8E84-426E-40DD-AFC4-6F175D3DCCD1}">
+              <a14:hiddenFill xmlns:a14="http://schemas.microsoft.com/office/drawing/2010/main">
+                <a:solidFill>
+                  <a:srgbClr val="FFFFFF"/>
+                </a:solidFill>
+              </a14:hiddenFill>
+            </a:ext>
+          </a:extLst>
+        </p:spPr>
+      </p:pic>
+      <p:pic>
+        <p:nvPicPr>
+          <p:cNvPr id="7" name="Picture 4" descr="Полезни правила за разделно събиране - Екопак"/>
+          <p:cNvPicPr>
+            <a:picLocks noChangeAspect="1" noChangeArrowheads="1"/>
+          </p:cNvPicPr>
+          <p:nvPr/>
+        </p:nvPicPr>
+        <p:blipFill>
+          <a:blip r:embed="rId5">
+            <a:extLst>
+              <a:ext uri="{28A0092B-C50C-407E-A947-70E740481C1C}">
+                <a14:useLocalDpi xmlns:a14="http://schemas.microsoft.com/office/drawing/2010/main" val="0"/>
+              </a:ext>
+            </a:extLst>
+          </a:blip>
+          <a:srcRect/>
+          <a:stretch>
+            <a:fillRect/>
+          </a:stretch>
+        </p:blipFill>
+        <p:spPr bwMode="auto">
+          <a:xfrm>
+            <a:off x="3878907" y="5359308"/>
+            <a:ext cx="931468" cy="1171847"/>
+          </a:xfrm>
+          <a:prstGeom prst="rect">
+            <a:avLst/>
+          </a:prstGeom>
+          <a:noFill/>
+          <a:extLst>
+            <a:ext uri="{909E8E84-426E-40DD-AFC4-6F175D3DCCD1}">
+              <a14:hiddenFill xmlns:a14="http://schemas.microsoft.com/office/drawing/2010/main">
+                <a:solidFill>
+                  <a:srgbClr val="FFFFFF"/>
+                </a:solidFill>
+              </a14:hiddenFill>
+            </a:ext>
+          </a:extLst>
+        </p:spPr>
+      </p:pic>
+      <p:pic>
+        <p:nvPicPr>
+          <p:cNvPr id="8" name="Picture 6" descr="Полезни правила за разделно събиране - Екопак"/>
+          <p:cNvPicPr>
+            <a:picLocks noChangeAspect="1" noChangeArrowheads="1"/>
+          </p:cNvPicPr>
+          <p:nvPr/>
+        </p:nvPicPr>
+        <p:blipFill>
+          <a:blip r:embed="rId6">
+            <a:extLst>
+              <a:ext uri="{28A0092B-C50C-407E-A947-70E740481C1C}">
+                <a14:useLocalDpi xmlns:a14="http://schemas.microsoft.com/office/drawing/2010/main" val="0"/>
+              </a:ext>
+            </a:extLst>
+          </a:blip>
+          <a:srcRect/>
+          <a:stretch>
+            <a:fillRect/>
+          </a:stretch>
+        </p:blipFill>
+        <p:spPr bwMode="auto">
+          <a:xfrm>
+            <a:off x="6935249" y="4187849"/>
+            <a:ext cx="931160" cy="1171459"/>
+          </a:xfrm>
+          <a:prstGeom prst="rect">
+            <a:avLst/>
+          </a:prstGeom>
+          <a:noFill/>
+          <a:extLst>
+            <a:ext uri="{909E8E84-426E-40DD-AFC4-6F175D3DCCD1}">
+              <a14:hiddenFill xmlns:a14="http://schemas.microsoft.com/office/drawing/2010/main">
+                <a:solidFill>
+                  <a:srgbClr val="FFFFFF"/>
+                </a:solidFill>
+              </a14:hiddenFill>
+            </a:ext>
+          </a:extLst>
+        </p:spPr>
+      </p:pic>
+      <p:pic>
+        <p:nvPicPr>
+          <p:cNvPr id="9" name="Picture 18" descr="Wall-E logo vector free download - Brandslogo.net"/>
+          <p:cNvPicPr>
+            <a:picLocks noChangeAspect="1" noChangeArrowheads="1"/>
+          </p:cNvPicPr>
+          <p:nvPr/>
+        </p:nvPicPr>
+        <p:blipFill rotWithShape="1">
+          <a:blip r:embed="rId7">
+            <a:extLst>
+              <a:ext uri="{28A0092B-C50C-407E-A947-70E740481C1C}">
+                <a14:useLocalDpi xmlns:a14="http://schemas.microsoft.com/office/drawing/2010/main" val="0"/>
+              </a:ext>
+            </a:extLst>
+          </a:blip>
+          <a:srcRect l="4009" t="44388" r="1820" b="35548"/>
+          <a:stretch/>
+        </p:blipFill>
+        <p:spPr bwMode="auto">
+          <a:xfrm>
+            <a:off x="9919064" y="6398014"/>
+            <a:ext cx="2159097" cy="459986"/>
+          </a:xfrm>
+          <a:prstGeom prst="rect">
+            <a:avLst/>
+          </a:prstGeom>
+          <a:noFill/>
+          <a:extLst>
+            <a:ext uri="{909E8E84-426E-40DD-AFC4-6F175D3DCCD1}">
+              <a14:hiddenFill xmlns:a14="http://schemas.microsoft.com/office/drawing/2010/main">
+                <a:solidFill>
+                  <a:srgbClr val="FFFFFF"/>
+                </a:solidFill>
+              </a14:hiddenFill>
+            </a:ext>
+          </a:extLst>
+        </p:spPr>
+      </p:pic>
+    </p:spTree>
+    <p:extLst>
+      <p:ext uri="{BB962C8B-B14F-4D97-AF65-F5344CB8AC3E}">
+        <p14:creationId xmlns:p14="http://schemas.microsoft.com/office/powerpoint/2010/main" val="1438632127"/>
+      </p:ext>
+    </p:extLst>
+  </p:cSld>
+  <p:clrMapOvr>
+    <a:masterClrMapping/>
+  </p:clrMapOvr>
+</p:sld>
+</file>
+
+<file path=ppt/slides/slide2.xml><?xml version="1.0" encoding="utf-8"?>
+<p:sld xmlns:a="http://schemas.openxmlformats.org/drawingml/2006/main" xmlns:r="http://schemas.openxmlformats.org/officeDocument/2006/relationships" xmlns:p="http://schemas.openxmlformats.org/presentationml/2006/main">
+  <p:cSld>
+    <p:spTree>
+      <p:nvGrpSpPr>
+        <p:cNvPr id="1" name=""/>
+        <p:cNvGrpSpPr/>
+        <p:nvPr/>
+      </p:nvGrpSpPr>
+      <p:grpSpPr>
+        <a:xfrm>
+          <a:off x="0" y="0"/>
+          <a:ext cx="0" cy="0"/>
+          <a:chOff x="0" y="0"/>
+          <a:chExt cx="0" cy="0"/>
+        </a:xfrm>
+      </p:grpSpPr>
+      <p:pic>
+        <p:nvPicPr>
+          <p:cNvPr id="4102" name="Picture 6" descr="УЖАС! Пловдив затъна в боклуци, сметище се пръкна в центъра на..."/>
+          <p:cNvPicPr>
+            <a:picLocks noChangeAspect="1" noChangeArrowheads="1"/>
+          </p:cNvPicPr>
+          <p:nvPr/>
+        </p:nvPicPr>
+        <p:blipFill>
+          <a:blip r:embed="rId2">
+            <a:extLst>
+              <a:ext uri="{28A0092B-C50C-407E-A947-70E740481C1C}">
+                <a14:useLocalDpi xmlns:a14="http://schemas.microsoft.com/office/drawing/2010/main" val="0"/>
+              </a:ext>
+            </a:extLst>
+          </a:blip>
+          <a:srcRect/>
+          <a:stretch>
+            <a:fillRect/>
+          </a:stretch>
+        </p:blipFill>
+        <p:spPr bwMode="auto">
+          <a:xfrm>
+            <a:off x="3760924" y="3530950"/>
+            <a:ext cx="4437541" cy="3166791"/>
+          </a:xfrm>
+          <a:prstGeom prst="rect">
+            <a:avLst/>
+          </a:prstGeom>
+          <a:noFill/>
+          <a:extLst>
+            <a:ext uri="{909E8E84-426E-40DD-AFC4-6F175D3DCCD1}">
+              <a14:hiddenFill xmlns:a14="http://schemas.microsoft.com/office/drawing/2010/main">
+                <a:solidFill>
+                  <a:srgbClr val="FFFFFF"/>
+                </a:solidFill>
+              </a14:hiddenFill>
+            </a:ext>
+          </a:extLst>
+        </p:spPr>
+      </p:pic>
+      <p:sp>
+        <p:nvSpPr>
+          <p:cNvPr id="2" name="Title 1"/>
+          <p:cNvSpPr>
+            <a:spLocks noGrp="1"/>
+          </p:cNvSpPr>
+          <p:nvPr>
+            <p:ph type="title"/>
+          </p:nvPr>
+        </p:nvSpPr>
+        <p:spPr/>
+        <p:txBody>
+          <a:bodyPr/>
+          <a:lstStyle/>
+          <a:p>
+            <a:r>
+              <a:rPr lang="bg-BG" dirty="0" smtClean="0"/>
+              <a:t>Проблема който който се опитваме да решим</a:t>
+            </a:r>
+            <a:endParaRPr lang="bg-BG" dirty="0"/>
+          </a:p>
+        </p:txBody>
+      </p:sp>
+      <p:pic>
+        <p:nvPicPr>
+          <p:cNvPr id="4098" name="Picture 2" descr="Няма нарушения при процедурата за столичния завод за боклук"/>
+          <p:cNvPicPr>
+            <a:picLocks noGrp="1" noChangeAspect="1" noChangeArrowheads="1"/>
+          </p:cNvPicPr>
+          <p:nvPr>
+            <p:ph idx="1"/>
+          </p:nvPr>
+        </p:nvPicPr>
+        <p:blipFill>
+          <a:blip r:embed="rId3">
+            <a:extLst>
+              <a:ext uri="{28A0092B-C50C-407E-A947-70E740481C1C}">
+                <a14:useLocalDpi xmlns:a14="http://schemas.microsoft.com/office/drawing/2010/main" val="0"/>
+              </a:ext>
+            </a:extLst>
+          </a:blip>
+          <a:srcRect/>
+          <a:stretch>
+            <a:fillRect/>
+          </a:stretch>
+        </p:blipFill>
+        <p:spPr bwMode="auto">
+          <a:xfrm rot="1004915">
+            <a:off x="6761275" y="1800604"/>
+            <a:ext cx="4014001" cy="2251604"/>
+          </a:xfrm>
+          <a:prstGeom prst="rect">
+            <a:avLst/>
+          </a:prstGeom>
+          <a:noFill/>
+          <a:extLst>
+            <a:ext uri="{909E8E84-426E-40DD-AFC4-6F175D3DCCD1}">
+              <a14:hiddenFill xmlns:a14="http://schemas.microsoft.com/office/drawing/2010/main">
+                <a:solidFill>
+                  <a:srgbClr val="FFFFFF"/>
+                </a:solidFill>
+              </a14:hiddenFill>
+            </a:ext>
+          </a:extLst>
+        </p:spPr>
+      </p:pic>
+      <p:pic>
+        <p:nvPicPr>
+          <p:cNvPr id="4100" name="Picture 4" descr="Елин Пелин и селата затъват в боклук заради липса на сметище ::  netNEWSbg/новини, интервю, анализи, общини, моят бизнес, видео"/>
+          <p:cNvPicPr>
+            <a:picLocks noChangeAspect="1" noChangeArrowheads="1"/>
+          </p:cNvPicPr>
+          <p:nvPr/>
+        </p:nvPicPr>
+        <p:blipFill>
+          <a:blip r:embed="rId4">
+            <a:extLst>
+              <a:ext uri="{28A0092B-C50C-407E-A947-70E740481C1C}">
+                <a14:useLocalDpi xmlns:a14="http://schemas.microsoft.com/office/drawing/2010/main" val="0"/>
+              </a:ext>
+            </a:extLst>
+          </a:blip>
+          <a:srcRect/>
+          <a:stretch>
+            <a:fillRect/>
+          </a:stretch>
+        </p:blipFill>
+        <p:spPr bwMode="auto">
+          <a:xfrm rot="20554752">
+            <a:off x="410948" y="1783634"/>
+            <a:ext cx="4410184" cy="2935924"/>
           </a:xfrm>
           <a:prstGeom prst="rect">
             <a:avLst/>
@@ -6353,19 +6992,41 @@
           <a:bodyPr/>
           <a:lstStyle/>
           <a:p>
-            <a:endParaRPr lang="bg-BG"/>
+            <a:pPr algn="ctr"/>
+            <a:r>
+              <a:rPr lang="bg-BG" dirty="0" smtClean="0"/>
+              <a:t>Разделно събиране</a:t>
+            </a:r>
+            <a:endParaRPr lang="bg-BG" dirty="0"/>
+          </a:p>
+        </p:txBody>
+      </p:sp>
+      <p:sp>
+        <p:nvSpPr>
+          <p:cNvPr id="3" name="Content Placeholder 2"/>
+          <p:cNvSpPr>
+            <a:spLocks noGrp="1"/>
+          </p:cNvSpPr>
+          <p:nvPr>
+            <p:ph idx="1"/>
+          </p:nvPr>
+        </p:nvSpPr>
+        <p:spPr/>
+        <p:txBody>
+          <a:bodyPr/>
+          <a:lstStyle/>
+          <a:p>
+            <a:endParaRPr lang="bg-BG" dirty="0"/>
           </a:p>
         </p:txBody>
       </p:sp>
       <p:pic>
         <p:nvPicPr>
-          <p:cNvPr id="2050" name="Picture 2" descr="https://i2.wp.com/vtorothody.ru/wp-content/uploads/2018/11/sistema-sortirovki-dlya-kuhni.jpg"/>
+          <p:cNvPr id="4098" name="Picture 2" descr="Полезни правила за разделно събиране - Екопак"/>
           <p:cNvPicPr>
-            <a:picLocks noGrp="1" noChangeAspect="1" noChangeArrowheads="1"/>
+            <a:picLocks noChangeAspect="1" noChangeArrowheads="1"/>
           </p:cNvPicPr>
-          <p:nvPr>
-            <p:ph idx="1"/>
-          </p:nvPr>
+          <p:nvPr/>
         </p:nvPicPr>
         <p:blipFill>
           <a:blip r:embed="rId2">
@@ -6382,8 +7043,8 @@
         </p:blipFill>
         <p:spPr bwMode="auto">
           <a:xfrm>
-            <a:off x="2190299" y="2160588"/>
-            <a:ext cx="5571440" cy="3881437"/>
+            <a:off x="782504" y="2603863"/>
+            <a:ext cx="2482040" cy="3122567"/>
           </a:xfrm>
           <a:prstGeom prst="rect">
             <a:avLst/>
@@ -6400,10 +7061,92 @@
           </a:extLst>
         </p:spPr>
       </p:pic>
+      <p:pic>
+        <p:nvPicPr>
+          <p:cNvPr id="4100" name="Picture 4" descr="Полезни правила за разделно събиране - Екопак"/>
+          <p:cNvPicPr>
+            <a:picLocks noChangeAspect="1" noChangeArrowheads="1"/>
+          </p:cNvPicPr>
+          <p:nvPr/>
+        </p:nvPicPr>
+        <p:blipFill>
+          <a:blip r:embed="rId3">
+            <a:extLst>
+              <a:ext uri="{28A0092B-C50C-407E-A947-70E740481C1C}">
+                <a14:useLocalDpi xmlns:a14="http://schemas.microsoft.com/office/drawing/2010/main" val="0"/>
+              </a:ext>
+            </a:extLst>
+          </a:blip>
+          <a:srcRect/>
+          <a:stretch>
+            <a:fillRect/>
+          </a:stretch>
+        </p:blipFill>
+        <p:spPr bwMode="auto">
+          <a:xfrm>
+            <a:off x="3839212" y="2603863"/>
+            <a:ext cx="2482040" cy="3122567"/>
+          </a:xfrm>
+          <a:prstGeom prst="rect">
+            <a:avLst/>
+          </a:prstGeom>
+          <a:noFill/>
+          <a:extLst>
+            <a:ext uri="{909E8E84-426E-40DD-AFC4-6F175D3DCCD1}">
+              <a14:hiddenFill xmlns:a14="http://schemas.microsoft.com/office/drawing/2010/main">
+                <a:solidFill>
+                  <a:srgbClr val="FFFFFF"/>
+                </a:solidFill>
+              </a14:hiddenFill>
+            </a:ext>
+          </a:extLst>
+        </p:spPr>
+      </p:pic>
+      <p:pic>
+        <p:nvPicPr>
+          <p:cNvPr id="4102" name="Picture 6" descr="Полезни правила за разделно събиране - Екопак"/>
+          <p:cNvPicPr>
+            <a:picLocks noChangeAspect="1" noChangeArrowheads="1"/>
+          </p:cNvPicPr>
+          <p:nvPr/>
+        </p:nvPicPr>
+        <p:blipFill>
+          <a:blip r:embed="rId4">
+            <a:extLst>
+              <a:ext uri="{28A0092B-C50C-407E-A947-70E740481C1C}">
+                <a14:useLocalDpi xmlns:a14="http://schemas.microsoft.com/office/drawing/2010/main" val="0"/>
+              </a:ext>
+            </a:extLst>
+          </a:blip>
+          <a:srcRect/>
+          <a:stretch>
+            <a:fillRect/>
+          </a:stretch>
+        </p:blipFill>
+        <p:spPr bwMode="auto">
+          <a:xfrm>
+            <a:off x="7367450" y="2604896"/>
+            <a:ext cx="2481219" cy="3121534"/>
+          </a:xfrm>
+          <a:prstGeom prst="rect">
+            <a:avLst/>
+          </a:prstGeom>
+          <a:noFill/>
+          <a:extLst>
+            <a:ext uri="{909E8E84-426E-40DD-AFC4-6F175D3DCCD1}">
+              <a14:hiddenFill xmlns:a14="http://schemas.microsoft.com/office/drawing/2010/main">
+                <a:solidFill>
+                  <a:srgbClr val="FFFFFF"/>
+                </a:solidFill>
+              </a14:hiddenFill>
+            </a:ext>
+          </a:extLst>
+        </p:spPr>
+      </p:pic>
     </p:spTree>
     <p:extLst>
       <p:ext uri="{BB962C8B-B14F-4D97-AF65-F5344CB8AC3E}">
-        <p14:creationId xmlns:p14="http://schemas.microsoft.com/office/powerpoint/2010/main" val="947202018"/>
+        <p14:creationId xmlns:p14="http://schemas.microsoft.com/office/powerpoint/2010/main" val="327523886"/>
       </p:ext>
     </p:extLst>
   </p:cSld>
@@ -6447,24 +7190,50 @@
             <p:ph type="title"/>
           </p:nvPr>
         </p:nvSpPr>
-        <p:spPr/>
+        <p:spPr>
+          <a:xfrm>
+            <a:off x="1765906" y="679269"/>
+            <a:ext cx="5662506" cy="853440"/>
+          </a:xfrm>
+        </p:spPr>
         <p:txBody>
           <a:bodyPr/>
           <a:lstStyle/>
           <a:p>
-            <a:endParaRPr lang="bg-BG"/>
+            <a:r>
+              <a:rPr lang="bg-BG" dirty="0" smtClean="0"/>
+              <a:t>Съществуващи решения</a:t>
+            </a:r>
+            <a:endParaRPr lang="bg-BG" dirty="0"/>
+          </a:p>
+        </p:txBody>
+      </p:sp>
+      <p:sp>
+        <p:nvSpPr>
+          <p:cNvPr id="3" name="Content Placeholder 2"/>
+          <p:cNvSpPr>
+            <a:spLocks noGrp="1"/>
+          </p:cNvSpPr>
+          <p:nvPr>
+            <p:ph idx="1"/>
+          </p:nvPr>
+        </p:nvSpPr>
+        <p:spPr/>
+        <p:txBody>
+          <a:bodyPr/>
+          <a:lstStyle/>
+          <a:p>
+            <a:endParaRPr lang="bg-BG" dirty="0"/>
           </a:p>
         </p:txBody>
       </p:sp>
       <p:pic>
         <p:nvPicPr>
-          <p:cNvPr id="3074" name="Picture 2" descr="Wall-E is picking up the trash that he makes! | Military vehicles, Wall e,  Cannon"/>
+          <p:cNvPr id="5" name="Picture 2" descr="https://www.ecopack.bg/web/files/richeditor/for-municipalities/glass%20sorting%20S.jpg"/>
           <p:cNvPicPr>
-            <a:picLocks noGrp="1" noChangeAspect="1" noChangeArrowheads="1"/>
+            <a:picLocks noChangeAspect="1" noChangeArrowheads="1"/>
           </p:cNvPicPr>
-          <p:nvPr>
-            <p:ph idx="1"/>
-          </p:nvPr>
+          <p:nvPr/>
         </p:nvPicPr>
         <p:blipFill>
           <a:blip r:embed="rId2">
@@ -6481,8 +7250,8 @@
         </p:blipFill>
         <p:spPr bwMode="auto">
           <a:xfrm>
-            <a:off x="8191658" y="2134121"/>
-            <a:ext cx="3810000" cy="3771900"/>
+            <a:off x="383179" y="2104871"/>
+            <a:ext cx="4724341" cy="3149561"/>
           </a:xfrm>
           <a:prstGeom prst="rect">
             <a:avLst/>
@@ -6501,7 +7270,7 @@
       </p:pic>
       <p:pic>
         <p:nvPicPr>
-          <p:cNvPr id="3076" name="Picture 4" descr="WALL E Trash Cubes Papercraft | Wall e, Paper toy printable, Paper crafts"/>
+          <p:cNvPr id="8194" name="Picture 2" descr="https://nordholding.bg/wp-content/uploads/2017/07/recycle-waste-materials-1024x513.jpg?fbclid=IwAR30CgIgibG7dUVbJHU-cWgjEZSP4PHVVKHukeAWy4Co2WAnPtrDREZ4rmw"/>
           <p:cNvPicPr>
             <a:picLocks noChangeAspect="1" noChangeArrowheads="1"/>
           </p:cNvPicPr>
@@ -6522,8 +7291,8 @@
         </p:blipFill>
         <p:spPr bwMode="auto">
           <a:xfrm>
-            <a:off x="4370524" y="3727790"/>
-            <a:ext cx="4095750" cy="2924176"/>
+            <a:off x="5493347" y="2265191"/>
+            <a:ext cx="5235613" cy="2828920"/>
           </a:xfrm>
           <a:prstGeom prst="rect">
             <a:avLst/>
@@ -6540,131 +7309,10 @@
           </a:extLst>
         </p:spPr>
       </p:pic>
-      <p:pic>
-        <p:nvPicPr>
-          <p:cNvPr id="3078" name="Picture 6" descr="Deluxe Cube 'N' Stack Wall-E from Thinkway Toys | Thinking toys, Wall e,  Disney pixar"/>
-          <p:cNvPicPr>
-            <a:picLocks noChangeAspect="1" noChangeArrowheads="1"/>
-          </p:cNvPicPr>
-          <p:nvPr/>
-        </p:nvPicPr>
-        <p:blipFill>
-          <a:blip r:embed="rId4">
-            <a:extLst>
-              <a:ext uri="{28A0092B-C50C-407E-A947-70E740481C1C}">
-                <a14:useLocalDpi xmlns:a14="http://schemas.microsoft.com/office/drawing/2010/main" val="0"/>
-              </a:ext>
-            </a:extLst>
-          </a:blip>
-          <a:srcRect/>
-          <a:stretch>
-            <a:fillRect/>
-          </a:stretch>
-        </p:blipFill>
-        <p:spPr bwMode="auto">
-          <a:xfrm>
-            <a:off x="1407765" y="3113314"/>
-            <a:ext cx="2857500" cy="2857500"/>
-          </a:xfrm>
-          <a:prstGeom prst="rect">
-            <a:avLst/>
-          </a:prstGeom>
-          <a:noFill/>
-          <a:extLst>
-            <a:ext uri="{909E8E84-426E-40DD-AFC4-6F175D3DCCD1}">
-              <a14:hiddenFill xmlns:a14="http://schemas.microsoft.com/office/drawing/2010/main">
-                <a:solidFill>
-                  <a:srgbClr val="FFFFFF"/>
-                </a:solidFill>
-              </a14:hiddenFill>
-            </a:ext>
-          </a:extLst>
-        </p:spPr>
-      </p:pic>
-      <p:pic>
-        <p:nvPicPr>
-          <p:cNvPr id="3082" name="Picture 10" descr="Wall-E Symbol by MickeysButtons on Etsy | Wall e costume, Wall e, Wall e eve"/>
-          <p:cNvPicPr>
-            <a:picLocks noChangeAspect="1" noChangeArrowheads="1"/>
-          </p:cNvPicPr>
-          <p:nvPr/>
-        </p:nvPicPr>
-        <p:blipFill>
-          <a:blip r:embed="rId5">
-            <a:extLst>
-              <a:ext uri="{28A0092B-C50C-407E-A947-70E740481C1C}">
-                <a14:useLocalDpi xmlns:a14="http://schemas.microsoft.com/office/drawing/2010/main" val="0"/>
-              </a:ext>
-            </a:extLst>
-          </a:blip>
-          <a:srcRect/>
-          <a:stretch>
-            <a:fillRect/>
-          </a:stretch>
-        </p:blipFill>
-        <p:spPr bwMode="auto">
-          <a:xfrm>
-            <a:off x="11422063" y="6088063"/>
-            <a:ext cx="769937" cy="769937"/>
-          </a:xfrm>
-          <a:prstGeom prst="rect">
-            <a:avLst/>
-          </a:prstGeom>
-          <a:noFill/>
-          <a:extLst>
-            <a:ext uri="{909E8E84-426E-40DD-AFC4-6F175D3DCCD1}">
-              <a14:hiddenFill xmlns:a14="http://schemas.microsoft.com/office/drawing/2010/main">
-                <a:solidFill>
-                  <a:srgbClr val="FFFFFF"/>
-                </a:solidFill>
-              </a14:hiddenFill>
-            </a:ext>
-          </a:extLst>
-        </p:spPr>
-      </p:pic>
-      <p:pic>
-        <p:nvPicPr>
-          <p:cNvPr id="3090" name="Picture 18" descr="Wall-E logo vector free download - Brandslogo.net"/>
-          <p:cNvPicPr>
-            <a:picLocks noChangeAspect="1" noChangeArrowheads="1"/>
-          </p:cNvPicPr>
-          <p:nvPr/>
-        </p:nvPicPr>
-        <p:blipFill rotWithShape="1">
-          <a:blip r:embed="rId6">
-            <a:extLst>
-              <a:ext uri="{28A0092B-C50C-407E-A947-70E740481C1C}">
-                <a14:useLocalDpi xmlns:a14="http://schemas.microsoft.com/office/drawing/2010/main" val="0"/>
-              </a:ext>
-            </a:extLst>
-          </a:blip>
-          <a:srcRect l="4009" t="44388" r="1820" b="35548"/>
-          <a:stretch/>
-        </p:blipFill>
-        <p:spPr bwMode="auto">
-          <a:xfrm>
-            <a:off x="677334" y="2107474"/>
-            <a:ext cx="3587931" cy="764393"/>
-          </a:xfrm>
-          <a:prstGeom prst="rect">
-            <a:avLst/>
-          </a:prstGeom>
-          <a:noFill/>
-          <a:extLst>
-            <a:ext uri="{909E8E84-426E-40DD-AFC4-6F175D3DCCD1}">
-              <a14:hiddenFill xmlns:a14="http://schemas.microsoft.com/office/drawing/2010/main">
-                <a:solidFill>
-                  <a:srgbClr val="FFFFFF"/>
-                </a:solidFill>
-              </a14:hiddenFill>
-            </a:ext>
-          </a:extLst>
-        </p:spPr>
-      </p:pic>
     </p:spTree>
     <p:extLst>
       <p:ext uri="{BB962C8B-B14F-4D97-AF65-F5344CB8AC3E}">
-        <p14:creationId xmlns:p14="http://schemas.microsoft.com/office/powerpoint/2010/main" val="4178319324"/>
+        <p14:creationId xmlns:p14="http://schemas.microsoft.com/office/powerpoint/2010/main" val="947202018"/>
       </p:ext>
     </p:extLst>
   </p:cSld>
@@ -6713,33 +7361,177 @@
           <a:bodyPr/>
           <a:lstStyle/>
           <a:p>
-            <a:endParaRPr lang="bg-BG"/>
-          </a:p>
-        </p:txBody>
-      </p:sp>
-      <p:sp>
-        <p:nvSpPr>
-          <p:cNvPr id="3" name="Content Placeholder 2"/>
-          <p:cNvSpPr>
-            <a:spLocks noGrp="1"/>
-          </p:cNvSpPr>
+            <a:r>
+              <a:rPr lang="bg-BG" dirty="0" smtClean="0"/>
+              <a:t>Нашето решение</a:t>
+            </a:r>
+            <a:endParaRPr lang="bg-BG" dirty="0"/>
+          </a:p>
+        </p:txBody>
+      </p:sp>
+      <p:pic>
+        <p:nvPicPr>
+          <p:cNvPr id="3074" name="Picture 2" descr="Wall-E is picking up the trash that he makes! | Military vehicles, Wall e,  Cannon"/>
+          <p:cNvPicPr>
+            <a:picLocks noGrp="1" noChangeAspect="1" noChangeArrowheads="1"/>
+          </p:cNvPicPr>
           <p:nvPr>
             <p:ph idx="1"/>
           </p:nvPr>
-        </p:nvSpPr>
-        <p:spPr/>
-        <p:txBody>
-          <a:bodyPr/>
-          <a:lstStyle/>
-          <a:p>
-            <a:endParaRPr lang="bg-BG"/>
-          </a:p>
-        </p:txBody>
-      </p:sp>
+        </p:nvPicPr>
+        <p:blipFill>
+          <a:blip r:embed="rId2">
+            <a:extLst>
+              <a:ext uri="{28A0092B-C50C-407E-A947-70E740481C1C}">
+                <a14:useLocalDpi xmlns:a14="http://schemas.microsoft.com/office/drawing/2010/main" val="0"/>
+              </a:ext>
+            </a:extLst>
+          </a:blip>
+          <a:srcRect/>
+          <a:stretch>
+            <a:fillRect/>
+          </a:stretch>
+        </p:blipFill>
+        <p:spPr bwMode="auto">
+          <a:xfrm>
+            <a:off x="1091646" y="1930400"/>
+            <a:ext cx="4342503" cy="4299078"/>
+          </a:xfrm>
+          <a:prstGeom prst="rect">
+            <a:avLst/>
+          </a:prstGeom>
+          <a:noFill/>
+          <a:extLst>
+            <a:ext uri="{909E8E84-426E-40DD-AFC4-6F175D3DCCD1}">
+              <a14:hiddenFill xmlns:a14="http://schemas.microsoft.com/office/drawing/2010/main">
+                <a:solidFill>
+                  <a:srgbClr val="FFFFFF"/>
+                </a:solidFill>
+              </a14:hiddenFill>
+            </a:ext>
+          </a:extLst>
+        </p:spPr>
+      </p:pic>
+      <p:pic>
+        <p:nvPicPr>
+          <p:cNvPr id="3082" name="Picture 10" descr="Wall-E Symbol by MickeysButtons on Etsy | Wall e costume, Wall e, Wall e eve"/>
+          <p:cNvPicPr>
+            <a:picLocks noChangeAspect="1" noChangeArrowheads="1"/>
+          </p:cNvPicPr>
+          <p:nvPr/>
+        </p:nvPicPr>
+        <p:blipFill>
+          <a:blip r:embed="rId3">
+            <a:extLst>
+              <a:ext uri="{28A0092B-C50C-407E-A947-70E740481C1C}">
+                <a14:useLocalDpi xmlns:a14="http://schemas.microsoft.com/office/drawing/2010/main" val="0"/>
+              </a:ext>
+            </a:extLst>
+          </a:blip>
+          <a:srcRect/>
+          <a:stretch>
+            <a:fillRect/>
+          </a:stretch>
+        </p:blipFill>
+        <p:spPr bwMode="auto">
+          <a:xfrm>
+            <a:off x="10981508" y="5656217"/>
+            <a:ext cx="1201783" cy="1201783"/>
+          </a:xfrm>
+          <a:prstGeom prst="rect">
+            <a:avLst/>
+          </a:prstGeom>
+          <a:noFill/>
+          <a:extLst>
+            <a:ext uri="{909E8E84-426E-40DD-AFC4-6F175D3DCCD1}">
+              <a14:hiddenFill xmlns:a14="http://schemas.microsoft.com/office/drawing/2010/main">
+                <a:solidFill>
+                  <a:srgbClr val="FFFFFF"/>
+                </a:solidFill>
+              </a14:hiddenFill>
+            </a:ext>
+          </a:extLst>
+        </p:spPr>
+      </p:pic>
+      <p:pic>
+        <p:nvPicPr>
+          <p:cNvPr id="3090" name="Picture 18" descr="Wall-E logo vector free download - Brandslogo.net"/>
+          <p:cNvPicPr>
+            <a:picLocks noChangeAspect="1" noChangeArrowheads="1"/>
+          </p:cNvPicPr>
+          <p:nvPr/>
+        </p:nvPicPr>
+        <p:blipFill rotWithShape="1">
+          <a:blip r:embed="rId4">
+            <a:extLst>
+              <a:ext uri="{28A0092B-C50C-407E-A947-70E740481C1C}">
+                <a14:useLocalDpi xmlns:a14="http://schemas.microsoft.com/office/drawing/2010/main" val="0"/>
+              </a:ext>
+            </a:extLst>
+          </a:blip>
+          <a:srcRect l="4009" t="44388" r="1820" b="35548"/>
+          <a:stretch/>
+        </p:blipFill>
+        <p:spPr bwMode="auto">
+          <a:xfrm>
+            <a:off x="5302892" y="1432327"/>
+            <a:ext cx="3587931" cy="764393"/>
+          </a:xfrm>
+          <a:prstGeom prst="rect">
+            <a:avLst/>
+          </a:prstGeom>
+          <a:noFill/>
+          <a:extLst>
+            <a:ext uri="{909E8E84-426E-40DD-AFC4-6F175D3DCCD1}">
+              <a14:hiddenFill xmlns:a14="http://schemas.microsoft.com/office/drawing/2010/main">
+                <a:solidFill>
+                  <a:srgbClr val="FFFFFF"/>
+                </a:solidFill>
+              </a14:hiddenFill>
+            </a:ext>
+          </a:extLst>
+        </p:spPr>
+      </p:pic>
+      <p:pic>
+        <p:nvPicPr>
+          <p:cNvPr id="8" name="Picture 7" descr="NJDEP - News Release 17/113 - Christie Administration Awards $14.3 Million  in Grants to Enhance Local Recycling Efforts"/>
+          <p:cNvPicPr/>
+          <p:nvPr/>
+        </p:nvPicPr>
+        <p:blipFill rotWithShape="1">
+          <a:blip r:embed="rId5">
+            <a:extLst>
+              <a:ext uri="{28A0092B-C50C-407E-A947-70E740481C1C}">
+                <a14:useLocalDpi xmlns:a14="http://schemas.microsoft.com/office/drawing/2010/main" val="0"/>
+              </a:ext>
+            </a:extLst>
+          </a:blip>
+          <a:srcRect t="5233"/>
+          <a:stretch/>
+        </p:blipFill>
+        <p:spPr bwMode="auto">
+          <a:xfrm>
+            <a:off x="6439828" y="3227433"/>
+            <a:ext cx="2249968" cy="1705012"/>
+          </a:xfrm>
+          <a:prstGeom prst="rect">
+            <a:avLst/>
+          </a:prstGeom>
+          <a:noFill/>
+          <a:ln>
+            <a:noFill/>
+          </a:ln>
+          <a:extLst>
+            <a:ext uri="{53640926-AAD7-44D8-BBD7-CCE9431645EC}">
+              <a14:shadowObscured xmlns:a14="http://schemas.microsoft.com/office/drawing/2010/main"/>
+            </a:ext>
+          </a:extLst>
+        </p:spPr>
+      </p:pic>
     </p:spTree>
     <p:extLst>
       <p:ext uri="{BB962C8B-B14F-4D97-AF65-F5344CB8AC3E}">
-        <p14:creationId xmlns:p14="http://schemas.microsoft.com/office/powerpoint/2010/main" val="3321820164"/>
+        <p14:creationId xmlns:p14="http://schemas.microsoft.com/office/powerpoint/2010/main" val="4178319324"/>
       </p:ext>
     </p:extLst>
   </p:cSld>
@@ -6783,45 +7575,33 @@
             <p:ph type="title"/>
           </p:nvPr>
         </p:nvSpPr>
-        <p:spPr/>
+        <p:spPr>
+          <a:xfrm>
+            <a:off x="424786" y="260376"/>
+            <a:ext cx="8596668" cy="1320800"/>
+          </a:xfrm>
+        </p:spPr>
         <p:txBody>
           <a:bodyPr/>
           <a:lstStyle/>
           <a:p>
             <a:r>
               <a:rPr lang="bg-BG" dirty="0" smtClean="0"/>
-              <a:t>Разделно събиране</a:t>
-            </a:r>
-            <a:endParaRPr lang="bg-BG" dirty="0"/>
-          </a:p>
-        </p:txBody>
-      </p:sp>
-      <p:sp>
-        <p:nvSpPr>
-          <p:cNvPr id="3" name="Content Placeholder 2"/>
-          <p:cNvSpPr>
-            <a:spLocks noGrp="1"/>
-          </p:cNvSpPr>
-          <p:nvPr>
-            <p:ph idx="1"/>
-          </p:nvPr>
-        </p:nvSpPr>
-        <p:spPr/>
-        <p:txBody>
-          <a:bodyPr/>
-          <a:lstStyle/>
-          <a:p>
+              <a:t>Разделяме боклуците в 4 категории</a:t>
+            </a:r>
             <a:endParaRPr lang="bg-BG" dirty="0"/>
           </a:p>
         </p:txBody>
       </p:sp>
       <p:pic>
         <p:nvPicPr>
-          <p:cNvPr id="4098" name="Picture 2" descr="Полезни правила за разделно събиране - Екопак"/>
+          <p:cNvPr id="4" name="Picture 6" descr="Deluxe Cube 'N' Stack Wall-E from Thinkway Toys | Thinking toys, Wall e,  Disney pixar"/>
           <p:cNvPicPr>
-            <a:picLocks noChangeAspect="1" noChangeArrowheads="1"/>
+            <a:picLocks noGrp="1" noChangeAspect="1" noChangeArrowheads="1"/>
           </p:cNvPicPr>
-          <p:nvPr/>
+          <p:nvPr>
+            <p:ph idx="1"/>
+          </p:nvPr>
         </p:nvPicPr>
         <p:blipFill>
           <a:blip r:embed="rId2">
@@ -6838,8 +7618,8 @@
         </p:blipFill>
         <p:spPr bwMode="auto">
           <a:xfrm>
-            <a:off x="782504" y="2603863"/>
-            <a:ext cx="2482040" cy="3122567"/>
+            <a:off x="6185932" y="4089301"/>
+            <a:ext cx="2768699" cy="2768699"/>
           </a:xfrm>
           <a:prstGeom prst="rect">
             <a:avLst/>
@@ -6858,7 +7638,7 @@
       </p:pic>
       <p:pic>
         <p:nvPicPr>
-          <p:cNvPr id="4100" name="Picture 4" descr="Полезни правила за разделно събиране - Екопак"/>
+          <p:cNvPr id="5" name="Picture 4" descr="WALL E Trash Cubes Papercraft | Wall e, Paper toy printable, Paper crafts"/>
           <p:cNvPicPr>
             <a:picLocks noChangeAspect="1" noChangeArrowheads="1"/>
           </p:cNvPicPr>
@@ -6879,8 +7659,8 @@
         </p:blipFill>
         <p:spPr bwMode="auto">
           <a:xfrm>
-            <a:off x="3839212" y="2603863"/>
-            <a:ext cx="2482040" cy="3122567"/>
+            <a:off x="853439" y="4305735"/>
+            <a:ext cx="3187337" cy="2275610"/>
           </a:xfrm>
           <a:prstGeom prst="rect">
             <a:avLst/>
@@ -6897,9 +7677,466 @@
           </a:extLst>
         </p:spPr>
       </p:pic>
+      <p:sp>
+        <p:nvSpPr>
+          <p:cNvPr id="6" name="Rectangle 5"/>
+          <p:cNvSpPr/>
+          <p:nvPr/>
+        </p:nvSpPr>
+        <p:spPr>
+          <a:xfrm>
+            <a:off x="677334" y="1503680"/>
+            <a:ext cx="4267702" cy="2862322"/>
+          </a:xfrm>
+          <a:prstGeom prst="rect">
+            <a:avLst/>
+          </a:prstGeom>
+        </p:spPr>
+        <p:txBody>
+          <a:bodyPr wrap="square">
+            <a:spAutoFit/>
+          </a:bodyPr>
+          <a:lstStyle/>
+          <a:p>
+            <a:pPr marL="342900" indent="-342900">
+              <a:buFont typeface="+mj-lt"/>
+              <a:buAutoNum type="arabicPeriod"/>
+            </a:pPr>
+            <a:r>
+              <a:rPr lang="ru-RU" dirty="0"/>
+              <a:t>Хартиени и картонени </a:t>
+            </a:r>
+            <a:r>
+              <a:rPr lang="ru-RU" dirty="0" smtClean="0"/>
+              <a:t>опаковки</a:t>
+            </a:r>
+          </a:p>
+          <a:p>
+            <a:pPr marL="342900" indent="-342900">
+              <a:buFont typeface="+mj-lt"/>
+              <a:buAutoNum type="arabicPeriod"/>
+            </a:pPr>
+            <a:endParaRPr lang="ru-RU" dirty="0" smtClean="0"/>
+          </a:p>
+          <a:p>
+            <a:pPr marL="342900" indent="-342900">
+              <a:buFont typeface="+mj-lt"/>
+              <a:buAutoNum type="arabicPeriod"/>
+            </a:pPr>
+            <a:endParaRPr lang="ru-RU" dirty="0"/>
+          </a:p>
+          <a:p>
+            <a:pPr marL="342900" indent="-342900">
+              <a:buFont typeface="+mj-lt"/>
+              <a:buAutoNum type="arabicPeriod"/>
+            </a:pPr>
+            <a:r>
+              <a:rPr lang="ru-RU" dirty="0"/>
+              <a:t>Пластмасови и метални </a:t>
+            </a:r>
+            <a:r>
+              <a:rPr lang="ru-RU" dirty="0" smtClean="0"/>
+              <a:t>поаковки</a:t>
+            </a:r>
+          </a:p>
+          <a:p>
+            <a:pPr marL="342900" indent="-342900">
+              <a:buFont typeface="+mj-lt"/>
+              <a:buAutoNum type="arabicPeriod"/>
+            </a:pPr>
+            <a:endParaRPr lang="ru-RU" dirty="0" smtClean="0"/>
+          </a:p>
+          <a:p>
+            <a:pPr marL="342900" indent="-342900">
+              <a:buFont typeface="+mj-lt"/>
+              <a:buAutoNum type="arabicPeriod"/>
+            </a:pPr>
+            <a:endParaRPr lang="ru-RU" dirty="0"/>
+          </a:p>
+          <a:p>
+            <a:pPr marL="342900" indent="-342900">
+              <a:buFont typeface="+mj-lt"/>
+              <a:buAutoNum type="arabicPeriod"/>
+            </a:pPr>
+            <a:r>
+              <a:rPr lang="ru-RU" dirty="0"/>
+              <a:t>Стъклени </a:t>
+            </a:r>
+            <a:r>
+              <a:rPr lang="ru-RU" dirty="0" smtClean="0"/>
+              <a:t>опаковки</a:t>
+            </a:r>
+          </a:p>
+          <a:p>
+            <a:pPr marL="342900" indent="-342900">
+              <a:buFont typeface="+mj-lt"/>
+              <a:buAutoNum type="arabicPeriod"/>
+            </a:pPr>
+            <a:endParaRPr lang="ru-RU" dirty="0" smtClean="0"/>
+          </a:p>
+          <a:p>
+            <a:pPr marL="342900" indent="-342900">
+              <a:buFont typeface="+mj-lt"/>
+              <a:buAutoNum type="arabicPeriod"/>
+            </a:pPr>
+            <a:endParaRPr lang="ru-RU" dirty="0"/>
+          </a:p>
+          <a:p>
+            <a:pPr marL="342900" indent="-342900">
+              <a:buFont typeface="+mj-lt"/>
+              <a:buAutoNum type="arabicPeriod"/>
+            </a:pPr>
+            <a:r>
+              <a:rPr lang="ru-RU" dirty="0"/>
+              <a:t>Общи и битови отпадъци</a:t>
+            </a:r>
+          </a:p>
+        </p:txBody>
+      </p:sp>
       <p:pic>
         <p:nvPicPr>
-          <p:cNvPr id="4102" name="Picture 6" descr="Полезни правила за разделно събиране - Екопак"/>
+          <p:cNvPr id="9" name="Picture 8"/>
+          <p:cNvPicPr/>
+          <p:nvPr/>
+        </p:nvPicPr>
+        <p:blipFill rotWithShape="1">
+          <a:blip r:embed="rId4">
+            <a:extLst>
+              <a:ext uri="{28A0092B-C50C-407E-A947-70E740481C1C}">
+                <a14:useLocalDpi xmlns:a14="http://schemas.microsoft.com/office/drawing/2010/main" val="0"/>
+              </a:ext>
+            </a:extLst>
+          </a:blip>
+          <a:srcRect l="54596" t="29334" r="38927" b="62595"/>
+          <a:stretch/>
+        </p:blipFill>
+        <p:spPr bwMode="auto">
+          <a:xfrm>
+            <a:off x="7025473" y="2159877"/>
+            <a:ext cx="899115" cy="599182"/>
+          </a:xfrm>
+          <a:prstGeom prst="rect">
+            <a:avLst/>
+          </a:prstGeom>
+          <a:ln>
+            <a:noFill/>
+          </a:ln>
+          <a:extLst>
+            <a:ext uri="{53640926-AAD7-44D8-BBD7-CCE9431645EC}">
+              <a14:shadowObscured xmlns:a14="http://schemas.microsoft.com/office/drawing/2010/main"/>
+            </a:ext>
+          </a:extLst>
+        </p:spPr>
+      </p:pic>
+      <p:pic>
+        <p:nvPicPr>
+          <p:cNvPr id="11" name="Picture 10"/>
+          <p:cNvPicPr/>
+          <p:nvPr/>
+        </p:nvPicPr>
+        <p:blipFill rotWithShape="1">
+          <a:blip r:embed="rId5">
+            <a:extLst>
+              <a:ext uri="{28A0092B-C50C-407E-A947-70E740481C1C}">
+                <a14:useLocalDpi xmlns:a14="http://schemas.microsoft.com/office/drawing/2010/main" val="0"/>
+              </a:ext>
+            </a:extLst>
+          </a:blip>
+          <a:srcRect l="27866" t="28656" r="62717" b="58159"/>
+          <a:stretch/>
+        </p:blipFill>
+        <p:spPr bwMode="auto">
+          <a:xfrm>
+            <a:off x="4116807" y="2791680"/>
+            <a:ext cx="1106215" cy="830976"/>
+          </a:xfrm>
+          <a:prstGeom prst="rect">
+            <a:avLst/>
+          </a:prstGeom>
+          <a:ln>
+            <a:noFill/>
+          </a:ln>
+          <a:extLst>
+            <a:ext uri="{53640926-AAD7-44D8-BBD7-CCE9431645EC}">
+              <a14:shadowObscured xmlns:a14="http://schemas.microsoft.com/office/drawing/2010/main"/>
+            </a:ext>
+          </a:extLst>
+        </p:spPr>
+      </p:pic>
+      <p:pic>
+        <p:nvPicPr>
+          <p:cNvPr id="12" name="Picture 11"/>
+          <p:cNvPicPr/>
+          <p:nvPr/>
+        </p:nvPicPr>
+        <p:blipFill rotWithShape="1">
+          <a:blip r:embed="rId4">
+            <a:extLst>
+              <a:ext uri="{28A0092B-C50C-407E-A947-70E740481C1C}">
+                <a14:useLocalDpi xmlns:a14="http://schemas.microsoft.com/office/drawing/2010/main" val="0"/>
+              </a:ext>
+            </a:extLst>
+          </a:blip>
+          <a:srcRect l="27523" t="26880" r="63467" b="62110"/>
+          <a:stretch/>
+        </p:blipFill>
+        <p:spPr bwMode="auto">
+          <a:xfrm>
+            <a:off x="5223022" y="1977483"/>
+            <a:ext cx="1644716" cy="814197"/>
+          </a:xfrm>
+          <a:prstGeom prst="rect">
+            <a:avLst/>
+          </a:prstGeom>
+          <a:ln>
+            <a:noFill/>
+          </a:ln>
+          <a:extLst>
+            <a:ext uri="{53640926-AAD7-44D8-BBD7-CCE9431645EC}">
+              <a14:shadowObscured xmlns:a14="http://schemas.microsoft.com/office/drawing/2010/main"/>
+            </a:ext>
+          </a:extLst>
+        </p:spPr>
+      </p:pic>
+      <p:pic>
+        <p:nvPicPr>
+          <p:cNvPr id="13" name="Picture 12"/>
+          <p:cNvPicPr/>
+          <p:nvPr/>
+        </p:nvPicPr>
+        <p:blipFill rotWithShape="1">
+          <a:blip r:embed="rId5">
+            <a:extLst>
+              <a:ext uri="{28A0092B-C50C-407E-A947-70E740481C1C}">
+                <a14:useLocalDpi xmlns:a14="http://schemas.microsoft.com/office/drawing/2010/main" val="0"/>
+              </a:ext>
+            </a:extLst>
+          </a:blip>
+          <a:srcRect l="27627" t="69655" r="47407" b="18642"/>
+          <a:stretch/>
+        </p:blipFill>
+        <p:spPr bwMode="auto">
+          <a:xfrm>
+            <a:off x="4945036" y="1139186"/>
+            <a:ext cx="3201443" cy="749663"/>
+          </a:xfrm>
+          <a:prstGeom prst="rect">
+            <a:avLst/>
+          </a:prstGeom>
+          <a:ln>
+            <a:noFill/>
+          </a:ln>
+          <a:extLst>
+            <a:ext uri="{53640926-AAD7-44D8-BBD7-CCE9431645EC}">
+              <a14:shadowObscured xmlns:a14="http://schemas.microsoft.com/office/drawing/2010/main"/>
+            </a:ext>
+          </a:extLst>
+        </p:spPr>
+      </p:pic>
+      <p:pic>
+        <p:nvPicPr>
+          <p:cNvPr id="14" name="Picture 13"/>
+          <p:cNvPicPr/>
+          <p:nvPr/>
+        </p:nvPicPr>
+        <p:blipFill rotWithShape="1">
+          <a:blip r:embed="rId6">
+            <a:extLst>
+              <a:ext uri="{28A0092B-C50C-407E-A947-70E740481C1C}">
+                <a14:useLocalDpi xmlns:a14="http://schemas.microsoft.com/office/drawing/2010/main" val="0"/>
+              </a:ext>
+            </a:extLst>
+          </a:blip>
+          <a:srcRect l="27850" t="39035" r="54601" b="50446"/>
+          <a:stretch/>
+        </p:blipFill>
+        <p:spPr bwMode="auto">
+          <a:xfrm>
+            <a:off x="4206840" y="3645434"/>
+            <a:ext cx="2784112" cy="733609"/>
+          </a:xfrm>
+          <a:prstGeom prst="rect">
+            <a:avLst/>
+          </a:prstGeom>
+          <a:ln>
+            <a:noFill/>
+          </a:ln>
+          <a:extLst>
+            <a:ext uri="{53640926-AAD7-44D8-BBD7-CCE9431645EC}">
+              <a14:shadowObscured xmlns:a14="http://schemas.microsoft.com/office/drawing/2010/main"/>
+            </a:ext>
+          </a:extLst>
+        </p:spPr>
+      </p:pic>
+    </p:spTree>
+    <p:extLst>
+      <p:ext uri="{BB962C8B-B14F-4D97-AF65-F5344CB8AC3E}">
+        <p14:creationId xmlns:p14="http://schemas.microsoft.com/office/powerpoint/2010/main" val="190868521"/>
+      </p:ext>
+    </p:extLst>
+  </p:cSld>
+  <p:clrMapOvr>
+    <a:masterClrMapping/>
+  </p:clrMapOvr>
+</p:sld>
+</file>
+
+<file path=ppt/slides/slide7.xml><?xml version="1.0" encoding="utf-8"?>
+<p:sld xmlns:a="http://schemas.openxmlformats.org/drawingml/2006/main" xmlns:r="http://schemas.openxmlformats.org/officeDocument/2006/relationships" xmlns:p="http://schemas.openxmlformats.org/presentationml/2006/main">
+  <p:cSld>
+    <p:spTree>
+      <p:nvGrpSpPr>
+        <p:cNvPr id="1" name=""/>
+        <p:cNvGrpSpPr/>
+        <p:nvPr/>
+      </p:nvGrpSpPr>
+      <p:grpSpPr>
+        <a:xfrm>
+          <a:off x="0" y="0"/>
+          <a:ext cx="0" cy="0"/>
+          <a:chOff x="0" y="0"/>
+          <a:chExt cx="0" cy="0"/>
+        </a:xfrm>
+      </p:grpSpPr>
+      <p:pic>
+        <p:nvPicPr>
+          <p:cNvPr id="1026" name="Picture 2" descr="Няма налично описание."/>
+          <p:cNvPicPr>
+            <a:picLocks noGrp="1" noChangeAspect="1" noChangeArrowheads="1"/>
+          </p:cNvPicPr>
+          <p:nvPr>
+            <p:ph idx="1"/>
+          </p:nvPr>
+        </p:nvPicPr>
+        <p:blipFill>
+          <a:blip r:embed="rId2">
+            <a:extLst>
+              <a:ext uri="{28A0092B-C50C-407E-A947-70E740481C1C}">
+                <a14:useLocalDpi xmlns:a14="http://schemas.microsoft.com/office/drawing/2010/main" val="0"/>
+              </a:ext>
+            </a:extLst>
+          </a:blip>
+          <a:srcRect/>
+          <a:stretch>
+            <a:fillRect/>
+          </a:stretch>
+        </p:blipFill>
+        <p:spPr bwMode="auto">
+          <a:xfrm>
+            <a:off x="1663336" y="1409967"/>
+            <a:ext cx="6383385" cy="4787540"/>
+          </a:xfrm>
+          <a:prstGeom prst="rect">
+            <a:avLst/>
+          </a:prstGeom>
+          <a:noFill/>
+          <a:extLst>
+            <a:ext uri="{909E8E84-426E-40DD-AFC4-6F175D3DCCD1}">
+              <a14:hiddenFill xmlns:a14="http://schemas.microsoft.com/office/drawing/2010/main">
+                <a:solidFill>
+                  <a:srgbClr val="FFFFFF"/>
+                </a:solidFill>
+              </a14:hiddenFill>
+            </a:ext>
+          </a:extLst>
+        </p:spPr>
+      </p:pic>
+    </p:spTree>
+    <p:extLst>
+      <p:ext uri="{BB962C8B-B14F-4D97-AF65-F5344CB8AC3E}">
+        <p14:creationId xmlns:p14="http://schemas.microsoft.com/office/powerpoint/2010/main" val="3321820164"/>
+      </p:ext>
+    </p:extLst>
+  </p:cSld>
+  <p:clrMapOvr>
+    <a:masterClrMapping/>
+  </p:clrMapOvr>
+  <p:timing>
+    <p:tnLst>
+      <p:par>
+        <p:cTn id="1" dur="indefinite" restart="never" nodeType="tmRoot"/>
+      </p:par>
+    </p:tnLst>
+  </p:timing>
+</p:sld>
+</file>
+
+<file path=ppt/slides/slide8.xml><?xml version="1.0" encoding="utf-8"?>
+<p:sld xmlns:a="http://schemas.openxmlformats.org/drawingml/2006/main" xmlns:r="http://schemas.openxmlformats.org/officeDocument/2006/relationships" xmlns:p="http://schemas.openxmlformats.org/presentationml/2006/main">
+  <p:cSld>
+    <p:spTree>
+      <p:nvGrpSpPr>
+        <p:cNvPr id="1" name=""/>
+        <p:cNvGrpSpPr/>
+        <p:nvPr/>
+      </p:nvGrpSpPr>
+      <p:grpSpPr>
+        <a:xfrm>
+          <a:off x="0" y="0"/>
+          <a:ext cx="0" cy="0"/>
+          <a:chOff x="0" y="0"/>
+          <a:chExt cx="0" cy="0"/>
+        </a:xfrm>
+      </p:grpSpPr>
+      <p:pic>
+        <p:nvPicPr>
+          <p:cNvPr id="5122" name="Picture 2" descr="Internet Cloud png download - 1000*416 - Free Transparent Technology  Demonstration png Download. - CleanPNG / KissPNG"/>
+          <p:cNvPicPr>
+            <a:picLocks noChangeAspect="1" noChangeArrowheads="1"/>
+          </p:cNvPicPr>
+          <p:nvPr/>
+        </p:nvPicPr>
+        <p:blipFill>
+          <a:blip r:embed="rId2">
+            <a:extLst>
+              <a:ext uri="{BEBA8EAE-BF5A-486C-A8C5-ECC9F3942E4B}">
+                <a14:imgProps xmlns:a14="http://schemas.microsoft.com/office/drawing/2010/main">
+                  <a14:imgLayer r:embed="rId3">
+                    <a14:imgEffect>
+                      <a14:backgroundRemoval t="263" b="98158" l="10000" r="91778">
+                        <a14:foregroundMark x1="22667" y1="22105" x2="20889" y2="50526"/>
+                        <a14:foregroundMark x1="39000" y1="30526" x2="37556" y2="50263"/>
+                        <a14:foregroundMark x1="44889" y1="30263" x2="46000" y2="30789"/>
+                        <a14:foregroundMark x1="51556" y1="35789" x2="51000" y2="42368"/>
+                        <a14:foregroundMark x1="69667" y1="47368" x2="68333" y2="58421"/>
+                      </a14:backgroundRemoval>
+                    </a14:imgEffect>
+                  </a14:imgLayer>
+                </a14:imgProps>
+              </a:ext>
+              <a:ext uri="{28A0092B-C50C-407E-A947-70E740481C1C}">
+                <a14:useLocalDpi xmlns:a14="http://schemas.microsoft.com/office/drawing/2010/main" val="0"/>
+              </a:ext>
+            </a:extLst>
+          </a:blip>
+          <a:srcRect/>
+          <a:stretch>
+            <a:fillRect/>
+          </a:stretch>
+        </p:blipFill>
+        <p:spPr bwMode="auto">
+          <a:xfrm>
+            <a:off x="912466" y="745218"/>
+            <a:ext cx="8572500" cy="3619500"/>
+          </a:xfrm>
+          <a:prstGeom prst="rect">
+            <a:avLst/>
+          </a:prstGeom>
+          <a:noFill/>
+          <a:extLst>
+            <a:ext uri="{909E8E84-426E-40DD-AFC4-6F175D3DCCD1}">
+              <a14:hiddenFill xmlns:a14="http://schemas.microsoft.com/office/drawing/2010/main">
+                <a:solidFill>
+                  <a:srgbClr val="FFFFFF"/>
+                </a:solidFill>
+              </a14:hiddenFill>
+            </a:ext>
+          </a:extLst>
+        </p:spPr>
+      </p:pic>
+      <p:pic>
+        <p:nvPicPr>
+          <p:cNvPr id="5124" name="Picture 4" descr="Plant Icon | Wall-E Iconset | Artua.com"/>
           <p:cNvPicPr>
             <a:picLocks noChangeAspect="1" noChangeArrowheads="1"/>
           </p:cNvPicPr>
@@ -6920,8 +8157,8 @@
         </p:blipFill>
         <p:spPr bwMode="auto">
           <a:xfrm>
-            <a:off x="7367450" y="2604896"/>
-            <a:ext cx="2481219" cy="3121534"/>
+            <a:off x="1548192" y="4364718"/>
+            <a:ext cx="2438400" cy="2438400"/>
           </a:xfrm>
           <a:prstGeom prst="rect">
             <a:avLst/>
@@ -6938,23 +8175,225 @@
           </a:extLst>
         </p:spPr>
       </p:pic>
+      <p:pic>
+        <p:nvPicPr>
+          <p:cNvPr id="8" name="Picture 18" descr="Wall-E logo vector free download - Brandslogo.net"/>
+          <p:cNvPicPr>
+            <a:picLocks noChangeAspect="1" noChangeArrowheads="1"/>
+          </p:cNvPicPr>
+          <p:nvPr/>
+        </p:nvPicPr>
+        <p:blipFill rotWithShape="1">
+          <a:blip r:embed="rId5">
+            <a:extLst>
+              <a:ext uri="{28A0092B-C50C-407E-A947-70E740481C1C}">
+                <a14:useLocalDpi xmlns:a14="http://schemas.microsoft.com/office/drawing/2010/main" val="0"/>
+              </a:ext>
+            </a:extLst>
+          </a:blip>
+          <a:srcRect l="4009" t="44388" r="1820" b="35548"/>
+          <a:stretch/>
+        </p:blipFill>
+        <p:spPr bwMode="auto">
+          <a:xfrm>
+            <a:off x="9919064" y="6398014"/>
+            <a:ext cx="2159097" cy="459986"/>
+          </a:xfrm>
+          <a:prstGeom prst="rect">
+            <a:avLst/>
+          </a:prstGeom>
+          <a:noFill/>
+          <a:extLst>
+            <a:ext uri="{909E8E84-426E-40DD-AFC4-6F175D3DCCD1}">
+              <a14:hiddenFill xmlns:a14="http://schemas.microsoft.com/office/drawing/2010/main">
+                <a:solidFill>
+                  <a:srgbClr val="FFFFFF"/>
+                </a:solidFill>
+              </a14:hiddenFill>
+            </a:ext>
+          </a:extLst>
+        </p:spPr>
+      </p:pic>
     </p:spTree>
     <p:extLst>
       <p:ext uri="{BB962C8B-B14F-4D97-AF65-F5344CB8AC3E}">
-        <p14:creationId xmlns:p14="http://schemas.microsoft.com/office/powerpoint/2010/main" val="327523886"/>
+        <p14:creationId xmlns:p14="http://schemas.microsoft.com/office/powerpoint/2010/main" val="3394925455"/>
       </p:ext>
     </p:extLst>
   </p:cSld>
   <p:clrMapOvr>
     <a:masterClrMapping/>
   </p:clrMapOvr>
-  <p:timing>
-    <p:tnLst>
-      <p:par>
-        <p:cTn id="1" dur="indefinite" restart="never" nodeType="tmRoot"/>
-      </p:par>
-    </p:tnLst>
-  </p:timing>
+</p:sld>
+</file>
+
+<file path=ppt/slides/slide9.xml><?xml version="1.0" encoding="utf-8"?>
+<p:sld xmlns:a="http://schemas.openxmlformats.org/drawingml/2006/main" xmlns:r="http://schemas.openxmlformats.org/officeDocument/2006/relationships" xmlns:p="http://schemas.openxmlformats.org/presentationml/2006/main">
+  <p:cSld>
+    <p:spTree>
+      <p:nvGrpSpPr>
+        <p:cNvPr id="1" name=""/>
+        <p:cNvGrpSpPr/>
+        <p:nvPr/>
+      </p:nvGrpSpPr>
+      <p:grpSpPr>
+        <a:xfrm>
+          <a:off x="0" y="0"/>
+          <a:ext cx="0" cy="0"/>
+          <a:chOff x="0" y="0"/>
+          <a:chExt cx="0" cy="0"/>
+        </a:xfrm>
+      </p:grpSpPr>
+      <p:sp>
+        <p:nvSpPr>
+          <p:cNvPr id="2" name="Title 1"/>
+          <p:cNvSpPr>
+            <a:spLocks noGrp="1"/>
+          </p:cNvSpPr>
+          <p:nvPr>
+            <p:ph type="title"/>
+          </p:nvPr>
+        </p:nvSpPr>
+        <p:spPr>
+          <a:xfrm>
+            <a:off x="583474" y="435429"/>
+            <a:ext cx="8784388" cy="1669142"/>
+          </a:xfrm>
+        </p:spPr>
+        <p:txBody>
+          <a:bodyPr>
+            <a:normAutofit/>
+          </a:bodyPr>
+          <a:lstStyle/>
+          <a:p>
+            <a:r>
+              <a:rPr lang="bg-BG" sz="4800" dirty="0" smtClean="0"/>
+              <a:t>Имплементация</a:t>
+            </a:r>
+            <a:endParaRPr lang="bg-BG" sz="4800" dirty="0"/>
+          </a:p>
+        </p:txBody>
+      </p:sp>
+      <p:pic>
+        <p:nvPicPr>
+          <p:cNvPr id="7170" name="Picture 2" descr="Project E - Wall-E T-Shirt by theduc - The Shirt List"/>
+          <p:cNvPicPr>
+            <a:picLocks noGrp="1" noChangeAspect="1" noChangeArrowheads="1"/>
+          </p:cNvPicPr>
+          <p:nvPr>
+            <p:ph idx="1"/>
+          </p:nvPr>
+        </p:nvPicPr>
+        <p:blipFill>
+          <a:blip r:embed="rId2">
+            <a:extLst>
+              <a:ext uri="{28A0092B-C50C-407E-A947-70E740481C1C}">
+                <a14:useLocalDpi xmlns:a14="http://schemas.microsoft.com/office/drawing/2010/main" val="0"/>
+              </a:ext>
+            </a:extLst>
+          </a:blip>
+          <a:srcRect/>
+          <a:stretch>
+            <a:fillRect/>
+          </a:stretch>
+        </p:blipFill>
+        <p:spPr bwMode="auto">
+          <a:xfrm>
+            <a:off x="505097" y="1547812"/>
+            <a:ext cx="4966018" cy="4966018"/>
+          </a:xfrm>
+          <a:prstGeom prst="rect">
+            <a:avLst/>
+          </a:prstGeom>
+          <a:noFill/>
+          <a:extLst>
+            <a:ext uri="{909E8E84-426E-40DD-AFC4-6F175D3DCCD1}">
+              <a14:hiddenFill xmlns:a14="http://schemas.microsoft.com/office/drawing/2010/main">
+                <a:solidFill>
+                  <a:srgbClr val="FFFFFF"/>
+                </a:solidFill>
+              </a14:hiddenFill>
+            </a:ext>
+          </a:extLst>
+        </p:spPr>
+      </p:pic>
+      <p:pic>
+        <p:nvPicPr>
+          <p:cNvPr id="7172" name="Picture 4" descr="Disney Pixar - WALL-E Ver.3 Free Papercraft Download"/>
+          <p:cNvPicPr>
+            <a:picLocks noChangeAspect="1" noChangeArrowheads="1"/>
+          </p:cNvPicPr>
+          <p:nvPr/>
+        </p:nvPicPr>
+        <p:blipFill rotWithShape="1">
+          <a:blip r:embed="rId3">
+            <a:extLst>
+              <a:ext uri="{28A0092B-C50C-407E-A947-70E740481C1C}">
+                <a14:useLocalDpi xmlns:a14="http://schemas.microsoft.com/office/drawing/2010/main" val="0"/>
+              </a:ext>
+            </a:extLst>
+          </a:blip>
+          <a:srcRect l="7939" t="4704" r="6691" b="4395"/>
+          <a:stretch/>
+        </p:blipFill>
+        <p:spPr bwMode="auto">
+          <a:xfrm>
+            <a:off x="6444128" y="2035492"/>
+            <a:ext cx="2821578" cy="3004457"/>
+          </a:xfrm>
+          <a:prstGeom prst="rect">
+            <a:avLst/>
+          </a:prstGeom>
+          <a:noFill/>
+          <a:extLst>
+            <a:ext uri="{909E8E84-426E-40DD-AFC4-6F175D3DCCD1}">
+              <a14:hiddenFill xmlns:a14="http://schemas.microsoft.com/office/drawing/2010/main">
+                <a:solidFill>
+                  <a:srgbClr val="FFFFFF"/>
+                </a:solidFill>
+              </a14:hiddenFill>
+            </a:ext>
+          </a:extLst>
+        </p:spPr>
+      </p:pic>
+      <p:sp>
+        <p:nvSpPr>
+          <p:cNvPr id="6" name="Rectangle 5"/>
+          <p:cNvSpPr/>
+          <p:nvPr/>
+        </p:nvSpPr>
+        <p:spPr>
+          <a:xfrm>
+            <a:off x="4975668" y="5747847"/>
+            <a:ext cx="3535680" cy="646331"/>
+          </a:xfrm>
+          <a:prstGeom prst="rect">
+            <a:avLst/>
+          </a:prstGeom>
+        </p:spPr>
+        <p:txBody>
+          <a:bodyPr wrap="square">
+            <a:spAutoFit/>
+          </a:bodyPr>
+          <a:lstStyle/>
+          <a:p>
+            <a:r>
+              <a:rPr lang="bg-BG" dirty="0"/>
+              <a:t>https://github.com/IvanFilipov/FMI-Codes-Hack-for-the-planet</a:t>
+            </a:r>
+          </a:p>
+        </p:txBody>
+      </p:sp>
+    </p:spTree>
+    <p:extLst>
+      <p:ext uri="{BB962C8B-B14F-4D97-AF65-F5344CB8AC3E}">
+        <p14:creationId xmlns:p14="http://schemas.microsoft.com/office/powerpoint/2010/main" val="1118484098"/>
+      </p:ext>
+    </p:extLst>
+  </p:cSld>
+  <p:clrMapOvr>
+    <a:masterClrMapping/>
+  </p:clrMapOvr>
 </p:sld>
 </file>
 
